--- a/PPT/实例化渲染流程图.pptx
+++ b/PPT/实例化渲染流程图.pptx
@@ -3512,8 +3512,8 @@
         </p:nvSpPr>
         <p:spPr>
           <a:xfrm>
-            <a:off x="3403600" y="3131820"/>
-            <a:ext cx="1826895" cy="1017905"/>
+            <a:off x="3403600" y="2998470"/>
+            <a:ext cx="1826895" cy="473075"/>
           </a:xfrm>
           <a:prstGeom prst="roundRect">
             <a:avLst/>
@@ -3541,22 +3541,6 @@
             <a:pPr algn="l"/>
             <a:r>
               <a:rPr lang="zh-CN" altLang="en-US"/>
-              <a:t>模型视图矩阵</a:t>
-            </a:r>
-            <a:endParaRPr lang="zh-CN" altLang="en-US"/>
-          </a:p>
-          <a:p>
-            <a:pPr algn="l"/>
-            <a:r>
-              <a:rPr lang="zh-CN" altLang="en-US"/>
-              <a:t>投影矩阵</a:t>
-            </a:r>
-            <a:endParaRPr lang="zh-CN" altLang="en-US"/>
-          </a:p>
-          <a:p>
-            <a:pPr algn="l"/>
-            <a:r>
-              <a:rPr lang="zh-CN" altLang="en-US"/>
               <a:t>时间</a:t>
             </a:r>
             <a:endParaRPr lang="zh-CN" altLang="en-US"/>
@@ -3572,7 +3556,7 @@
         <p:spPr>
           <a:xfrm>
             <a:off x="386080" y="2187575"/>
-            <a:ext cx="1907540" cy="1017905"/>
+            <a:ext cx="1907540" cy="808355"/>
           </a:xfrm>
           <a:prstGeom prst="roundRect">
             <a:avLst/>
@@ -3612,14 +3596,6 @@
             </a:r>
             <a:endParaRPr lang="zh-CN" altLang="en-US"/>
           </a:p>
-          <a:p>
-            <a:pPr algn="l"/>
-            <a:r>
-              <a:rPr lang="zh-CN" altLang="en-US"/>
-              <a:t>骨骼索引</a:t>
-            </a:r>
-            <a:endParaRPr lang="zh-CN" altLang="en-US"/>
-          </a:p>
         </p:txBody>
       </p:sp>
       <p:sp>
@@ -3727,7 +3703,7 @@
         <p:spPr>
           <a:xfrm>
             <a:off x="6375400" y="1939925"/>
-            <a:ext cx="1989455" cy="1950085"/>
+            <a:ext cx="1989455" cy="1226185"/>
           </a:xfrm>
           <a:prstGeom prst="roundRect">
             <a:avLst/>
@@ -3779,26 +3755,6 @@
             </a:r>
             <a:endParaRPr lang="zh-CN" altLang="en-US"/>
           </a:p>
-          <a:p>
-            <a:pPr algn="ctr"/>
-            <a:endParaRPr lang="zh-CN" altLang="en-US"/>
-          </a:p>
-          <a:p>
-            <a:pPr algn="ctr"/>
-            <a:r>
-              <a:rPr lang="zh-CN" altLang="en-US"/>
-              <a:t>贴图类型</a:t>
-            </a:r>
-            <a:endParaRPr lang="zh-CN" altLang="en-US"/>
-          </a:p>
-          <a:p>
-            <a:pPr algn="ctr"/>
-            <a:r>
-              <a:rPr lang="zh-CN" altLang="en-US"/>
-              <a:t>色调</a:t>
-            </a:r>
-            <a:endParaRPr lang="zh-CN" altLang="en-US"/>
-          </a:p>
         </p:txBody>
       </p:sp>
       <p:sp>
@@ -4011,7 +3967,7 @@
         </p:nvSpPr>
         <p:spPr>
           <a:xfrm>
-            <a:off x="3403600" y="2752090"/>
+            <a:off x="3403600" y="2618740"/>
             <a:ext cx="1565910" cy="417830"/>
           </a:xfrm>
           <a:prstGeom prst="homePlate">
@@ -4246,84 +4202,6 @@
           </a:p>
         </p:txBody>
       </p:sp>
-      <p:sp>
-        <p:nvSpPr>
-          <p:cNvPr id="39" name="右箭头 38"/>
-          <p:cNvSpPr/>
-          <p:nvPr/>
-        </p:nvSpPr>
-        <p:spPr>
-          <a:xfrm>
-            <a:off x="2720340" y="4916170"/>
-            <a:ext cx="208915" cy="427990"/>
-          </a:xfrm>
-          <a:prstGeom prst="rightArrow">
-            <a:avLst/>
-          </a:prstGeom>
-        </p:spPr>
-        <p:style>
-          <a:lnRef idx="2">
-            <a:schemeClr val="accent1">
-              <a:shade val="50000"/>
-            </a:schemeClr>
-          </a:lnRef>
-          <a:fillRef idx="1">
-            <a:schemeClr val="accent1"/>
-          </a:fillRef>
-          <a:effectRef idx="0">
-            <a:schemeClr val="accent1"/>
-          </a:effectRef>
-          <a:fontRef idx="minor">
-            <a:schemeClr val="lt1"/>
-          </a:fontRef>
-        </p:style>
-        <p:txBody>
-          <a:bodyPr rtlCol="0" anchor="ctr"/>
-          <a:p>
-            <a:pPr algn="ctr"/>
-            <a:endParaRPr lang="zh-CN" altLang="en-US"/>
-          </a:p>
-        </p:txBody>
-      </p:sp>
-      <p:sp>
-        <p:nvSpPr>
-          <p:cNvPr id="41" name="右箭头 40"/>
-          <p:cNvSpPr/>
-          <p:nvPr/>
-        </p:nvSpPr>
-        <p:spPr>
-          <a:xfrm>
-            <a:off x="5739765" y="4916170"/>
-            <a:ext cx="208915" cy="427990"/>
-          </a:xfrm>
-          <a:prstGeom prst="rightArrow">
-            <a:avLst/>
-          </a:prstGeom>
-        </p:spPr>
-        <p:style>
-          <a:lnRef idx="2">
-            <a:schemeClr val="accent1">
-              <a:shade val="50000"/>
-            </a:schemeClr>
-          </a:lnRef>
-          <a:fillRef idx="1">
-            <a:schemeClr val="accent1"/>
-          </a:fillRef>
-          <a:effectRef idx="0">
-            <a:schemeClr val="accent1"/>
-          </a:effectRef>
-          <a:fontRef idx="minor">
-            <a:schemeClr val="lt1"/>
-          </a:fontRef>
-        </p:style>
-        <p:txBody>
-          <a:bodyPr rtlCol="0" anchor="ctr"/>
-          <a:p>
-            <a:pPr algn="ctr"/>
-            <a:endParaRPr lang="zh-CN" altLang="en-US"/>
-          </a:p>
-        </p:txBody>
-      </p:sp>
       <p:pic>
         <p:nvPicPr>
           <p:cNvPr id="43" name="图片 42"/>
@@ -4340,8 +4218,8 @@
         </p:blipFill>
         <p:spPr>
           <a:xfrm>
-            <a:off x="487045" y="3405505"/>
-            <a:ext cx="1704975" cy="2375535"/>
+            <a:off x="702945" y="4457065"/>
+            <a:ext cx="1050925" cy="1464945"/>
           </a:xfrm>
           <a:prstGeom prst="rect">
             <a:avLst/>
@@ -4364,8 +4242,8 @@
         </p:blipFill>
         <p:spPr>
           <a:xfrm>
-            <a:off x="3858895" y="4338320"/>
-            <a:ext cx="756285" cy="1583690"/>
+            <a:off x="3959225" y="4547235"/>
+            <a:ext cx="655955" cy="1374775"/>
           </a:xfrm>
           <a:prstGeom prst="rect">
             <a:avLst/>
@@ -4475,55 +4353,6 @@
               <a:t>fragment shader</a:t>
             </a:r>
             <a:endParaRPr lang="en-US" altLang="zh-CN"/>
-          </a:p>
-        </p:txBody>
-      </p:sp>
-      <p:sp>
-        <p:nvSpPr>
-          <p:cNvPr id="64" name="矩形 63"/>
-          <p:cNvSpPr/>
-          <p:nvPr/>
-        </p:nvSpPr>
-        <p:spPr>
-          <a:xfrm>
-            <a:off x="6722110" y="3077210"/>
-            <a:ext cx="1358265" cy="729615"/>
-          </a:xfrm>
-          <a:prstGeom prst="rect">
-            <a:avLst/>
-          </a:prstGeom>
-          <a:noFill/>
-          <a:ln w="38100">
-            <a:solidFill>
-              <a:schemeClr val="accent1">
-                <a:lumMod val="60000"/>
-                <a:lumOff val="40000"/>
-              </a:schemeClr>
-            </a:solidFill>
-            <a:prstDash val="sysDot"/>
-          </a:ln>
-        </p:spPr>
-        <p:style>
-          <a:lnRef idx="2">
-            <a:schemeClr val="accent1">
-              <a:shade val="50000"/>
-            </a:schemeClr>
-          </a:lnRef>
-          <a:fillRef idx="1">
-            <a:schemeClr val="accent1"/>
-          </a:fillRef>
-          <a:effectRef idx="0">
-            <a:schemeClr val="accent1"/>
-          </a:effectRef>
-          <a:fontRef idx="minor">
-            <a:schemeClr val="lt1"/>
-          </a:fontRef>
-        </p:style>
-        <p:txBody>
-          <a:bodyPr rtlCol="0" anchor="ctr"/>
-          <a:p>
-            <a:pPr algn="ctr"/>
-            <a:endParaRPr lang="zh-CN" altLang="en-US"/>
           </a:p>
         </p:txBody>
       </p:sp>
@@ -4635,29 +4464,221 @@
       </p:sp>
       <p:sp>
         <p:nvSpPr>
-          <p:cNvPr id="67" name="右箭头 66"/>
+          <p:cNvPr id="2" name="圆角矩形 1"/>
           <p:cNvSpPr/>
           <p:nvPr/>
         </p:nvSpPr>
         <p:spPr>
           <a:xfrm>
-            <a:off x="7950835" y="3166110"/>
-            <a:ext cx="1646555" cy="438785"/>
-          </a:xfrm>
-          <a:prstGeom prst="rightArrow">
+            <a:off x="466725" y="3534410"/>
+            <a:ext cx="1826895" cy="769620"/>
+          </a:xfrm>
+          <a:prstGeom prst="roundRect">
             <a:avLst/>
           </a:prstGeom>
         </p:spPr>
         <p:style>
           <a:lnRef idx="2">
-            <a:schemeClr val="accent1">
+            <a:schemeClr val="accent3">
               <a:shade val="50000"/>
             </a:schemeClr>
           </a:lnRef>
           <a:fillRef idx="1">
+            <a:schemeClr val="accent3"/>
+          </a:fillRef>
+          <a:effectRef idx="0">
+            <a:schemeClr val="accent3"/>
+          </a:effectRef>
+          <a:fontRef idx="minor">
+            <a:schemeClr val="lt1"/>
+          </a:fontRef>
+        </p:style>
+        <p:txBody>
+          <a:bodyPr rtlCol="0" anchor="ctr"/>
+          <a:p>
+            <a:pPr algn="l"/>
+            <a:r>
+              <a:rPr lang="zh-CN" altLang="en-US"/>
+              <a:t>模型视图矩阵</a:t>
+            </a:r>
+            <a:endParaRPr lang="zh-CN" altLang="en-US"/>
+          </a:p>
+          <a:p>
+            <a:pPr algn="l"/>
+            <a:r>
+              <a:rPr lang="zh-CN" altLang="en-US"/>
+              <a:t>投影矩阵</a:t>
+            </a:r>
+            <a:endParaRPr lang="zh-CN" altLang="en-US"/>
+          </a:p>
+        </p:txBody>
+      </p:sp>
+      <p:sp>
+        <p:nvSpPr>
+          <p:cNvPr id="3" name="五边形 2"/>
+          <p:cNvSpPr/>
+          <p:nvPr/>
+        </p:nvSpPr>
+        <p:spPr>
+          <a:xfrm>
+            <a:off x="466725" y="3154680"/>
+            <a:ext cx="1565910" cy="417830"/>
+          </a:xfrm>
+          <a:prstGeom prst="homePlate">
+            <a:avLst/>
+          </a:prstGeom>
+        </p:spPr>
+        <p:style>
+          <a:lnRef idx="2">
+            <a:schemeClr val="accent6">
+              <a:shade val="50000"/>
+            </a:schemeClr>
+          </a:lnRef>
+          <a:fillRef idx="1">
+            <a:schemeClr val="accent6"/>
+          </a:fillRef>
+          <a:effectRef idx="0">
+            <a:schemeClr val="accent6"/>
+          </a:effectRef>
+          <a:fontRef idx="minor">
+            <a:schemeClr val="lt1"/>
+          </a:fontRef>
+        </p:style>
+        <p:txBody>
+          <a:bodyPr rtlCol="0" anchor="ctr"/>
+          <a:p>
+            <a:pPr algn="ctr"/>
+            <a:r>
+              <a:rPr lang="zh-CN" altLang="en-US">
+                <a:sym typeface="+mn-ea"/>
+              </a:rPr>
+              <a:t>Uniform </a:t>
+            </a:r>
+            <a:r>
+              <a:rPr lang="en-US" altLang="zh-CN">
+                <a:sym typeface="+mn-ea"/>
+              </a:rPr>
+              <a:t>data</a:t>
+            </a:r>
+            <a:endParaRPr lang="en-US" altLang="zh-CN">
+              <a:sym typeface="+mn-ea"/>
+            </a:endParaRPr>
+          </a:p>
+        </p:txBody>
+      </p:sp>
+      <p:sp>
+        <p:nvSpPr>
+          <p:cNvPr id="6" name="圆角矩形 5"/>
+          <p:cNvSpPr/>
+          <p:nvPr/>
+        </p:nvSpPr>
+        <p:spPr>
+          <a:xfrm>
+            <a:off x="3322955" y="3968750"/>
+            <a:ext cx="1907540" cy="369570"/>
+          </a:xfrm>
+          <a:prstGeom prst="roundRect">
+            <a:avLst/>
+          </a:prstGeom>
+        </p:spPr>
+        <p:style>
+          <a:lnRef idx="2">
+            <a:schemeClr val="accent3">
+              <a:shade val="50000"/>
+            </a:schemeClr>
+          </a:lnRef>
+          <a:fillRef idx="1">
+            <a:schemeClr val="accent3"/>
+          </a:fillRef>
+          <a:effectRef idx="0">
+            <a:schemeClr val="accent3"/>
+          </a:effectRef>
+          <a:fontRef idx="minor">
+            <a:schemeClr val="lt1"/>
+          </a:fontRef>
+        </p:style>
+        <p:txBody>
+          <a:bodyPr rtlCol="0" anchor="ctr"/>
+          <a:p>
+            <a:pPr algn="l"/>
+            <a:r>
+              <a:rPr lang="zh-CN" altLang="en-US"/>
+              <a:t>骨骼索引</a:t>
+            </a:r>
+            <a:endParaRPr lang="zh-CN" altLang="en-US"/>
+          </a:p>
+        </p:txBody>
+      </p:sp>
+      <p:sp>
+        <p:nvSpPr>
+          <p:cNvPr id="7" name="五边形 6"/>
+          <p:cNvSpPr/>
+          <p:nvPr/>
+        </p:nvSpPr>
+        <p:spPr>
+          <a:xfrm>
+            <a:off x="3300730" y="3604895"/>
+            <a:ext cx="2151380" cy="364490"/>
+          </a:xfrm>
+          <a:prstGeom prst="homePlate">
+            <a:avLst/>
+          </a:prstGeom>
+        </p:spPr>
+        <p:style>
+          <a:lnRef idx="2">
+            <a:schemeClr val="accent6">
+              <a:shade val="50000"/>
+            </a:schemeClr>
+          </a:lnRef>
+          <a:fillRef idx="1">
+            <a:schemeClr val="accent6"/>
+          </a:fillRef>
+          <a:effectRef idx="0">
+            <a:schemeClr val="accent6"/>
+          </a:effectRef>
+          <a:fontRef idx="minor">
+            <a:schemeClr val="lt1"/>
+          </a:fontRef>
+        </p:style>
+        <p:txBody>
+          <a:bodyPr rtlCol="0" anchor="ctr"/>
+          <a:p>
+            <a:pPr algn="ctr"/>
+            <a:r>
+              <a:rPr lang="zh-CN" altLang="en-US"/>
+              <a:t>顶点attribute </a:t>
+            </a:r>
+            <a:r>
+              <a:rPr lang="en-US" altLang="zh-CN"/>
+              <a:t>data</a:t>
+            </a:r>
+            <a:endParaRPr lang="en-US" altLang="zh-CN"/>
+          </a:p>
+        </p:txBody>
+      </p:sp>
+      <p:sp>
+        <p:nvSpPr>
+          <p:cNvPr id="9" name="五边形 8"/>
+          <p:cNvSpPr/>
+          <p:nvPr/>
+        </p:nvSpPr>
+        <p:spPr>
+          <a:xfrm>
+            <a:off x="386080" y="1271270"/>
+            <a:ext cx="2151380" cy="364490"/>
+          </a:xfrm>
+          <a:prstGeom prst="homePlate">
+            <a:avLst/>
+          </a:prstGeom>
+        </p:spPr>
+        <p:style>
+          <a:lnRef idx="3">
+            <a:schemeClr val="lt1"/>
+          </a:lnRef>
+          <a:fillRef idx="1">
             <a:schemeClr val="accent1"/>
           </a:fillRef>
-          <a:effectRef idx="0">
+          <a:effectRef idx="1">
             <a:schemeClr val="accent1"/>
           </a:effectRef>
           <a:fontRef idx="minor">
@@ -4669,38 +4690,36 @@
           <a:p>
             <a:pPr algn="ctr"/>
             <a:r>
-              <a:rPr lang="en-US" altLang="zh-CN"/>
-              <a:t>vating data</a:t>
-            </a:r>
-            <a:endParaRPr lang="en-US" altLang="zh-CN"/>
-          </a:p>
-        </p:txBody>
-      </p:sp>
-      <p:sp>
-        <p:nvSpPr>
-          <p:cNvPr id="68" name="右箭头 67"/>
+              <a:rPr lang="zh-CN" altLang="en-US"/>
+              <a:t>模型的基本信息</a:t>
+            </a:r>
+            <a:endParaRPr lang="zh-CN" altLang="en-US"/>
+          </a:p>
+        </p:txBody>
+      </p:sp>
+      <p:sp>
+        <p:nvSpPr>
+          <p:cNvPr id="10" name="五边形 9"/>
           <p:cNvSpPr/>
           <p:nvPr/>
         </p:nvSpPr>
         <p:spPr>
           <a:xfrm>
-            <a:off x="8669655" y="4916170"/>
-            <a:ext cx="208915" cy="427990"/>
-          </a:xfrm>
-          <a:prstGeom prst="rightArrow">
+            <a:off x="3412490" y="1271270"/>
+            <a:ext cx="1548130" cy="363855"/>
+          </a:xfrm>
+          <a:prstGeom prst="homePlate">
             <a:avLst/>
           </a:prstGeom>
         </p:spPr>
         <p:style>
-          <a:lnRef idx="2">
-            <a:schemeClr val="accent1">
-              <a:shade val="50000"/>
-            </a:schemeClr>
+          <a:lnRef idx="3">
+            <a:schemeClr val="lt1"/>
           </a:lnRef>
           <a:fillRef idx="1">
             <a:schemeClr val="accent1"/>
           </a:fillRef>
-          <a:effectRef idx="0">
+          <a:effectRef idx="1">
             <a:schemeClr val="accent1"/>
           </a:effectRef>
           <a:fontRef idx="minor">
@@ -4711,6 +4730,10 @@
           <a:bodyPr rtlCol="0" anchor="ctr"/>
           <a:p>
             <a:pPr algn="ctr"/>
+            <a:r>
+              <a:rPr lang="zh-CN" altLang="en-US"/>
+              <a:t>添加动画</a:t>
+            </a:r>
             <a:endParaRPr lang="zh-CN" altLang="en-US"/>
           </a:p>
         </p:txBody>
